--- a/ppt 16-9/0893.教会是我温暖的.pptx
+++ b/ppt 16-9/0893.教会是我温暖的.pptx
@@ -5,7 +5,7 @@
     <p:sldMasterId id="2147483648" r:id="rId1"/>
   </p:sldMasterIdLst>
   <p:sldIdLst>
-    <p:sldId id="2212" r:id="rId2"/>
+    <p:sldId id="2214" r:id="rId2"/>
   </p:sldIdLst>
   <p:sldSz cx="12192000" cy="6858000"/>
   <p:notesSz cx="6858000" cy="9144000"/>
@@ -129,7 +129,7 @@
           <p:cNvPr id="2" name="标题 1">
             <a:extLst>
               <a:ext uri="{FF2B5EF4-FFF2-40B4-BE49-F238E27FC236}">
-                <a16:creationId xmlns:a16="http://schemas.microsoft.com/office/drawing/2014/main" id="{02889D14-A4BC-8D40-7556-3B733F28F934}"/>
+                <a16:creationId xmlns:a16="http://schemas.microsoft.com/office/drawing/2014/main" id="{F52748DE-6419-164A-9CB1-398AE2894A4C}"/>
               </a:ext>
             </a:extLst>
           </p:cNvPr>
@@ -166,7 +166,7 @@
           <p:cNvPr id="3" name="副标题 2">
             <a:extLst>
               <a:ext uri="{FF2B5EF4-FFF2-40B4-BE49-F238E27FC236}">
-                <a16:creationId xmlns:a16="http://schemas.microsoft.com/office/drawing/2014/main" id="{1C7FC7E1-659D-12FD-2965-F28777CEB990}"/>
+                <a16:creationId xmlns:a16="http://schemas.microsoft.com/office/drawing/2014/main" id="{F9AFACDE-4BC0-B385-660B-892DC63F1A71}"/>
               </a:ext>
             </a:extLst>
           </p:cNvPr>
@@ -236,7 +236,7 @@
           <p:cNvPr id="4" name="日期占位符 3">
             <a:extLst>
               <a:ext uri="{FF2B5EF4-FFF2-40B4-BE49-F238E27FC236}">
-                <a16:creationId xmlns:a16="http://schemas.microsoft.com/office/drawing/2014/main" id="{BD00B82E-E0DA-9DD3-4548-0D3D6ED549E9}"/>
+                <a16:creationId xmlns:a16="http://schemas.microsoft.com/office/drawing/2014/main" id="{5F56E09A-7CD6-7034-D208-187B05DC9D39}"/>
               </a:ext>
             </a:extLst>
           </p:cNvPr>
@@ -252,7 +252,7 @@
           <a:bodyPr/>
           <a:lstStyle/>
           <a:p>
-            <a:fld id="{218EE223-BE68-4C6E-9576-D4645C9D61B4}" type="datetimeFigureOut">
+            <a:fld id="{FD436B6F-515A-47BD-8441-0AC946FD2E13}" type="datetimeFigureOut">
               <a:rPr lang="zh-CN" altLang="en-US" smtClean="0"/>
               <a:t>2024/3/10</a:t>
             </a:fld>
@@ -265,7 +265,7 @@
           <p:cNvPr id="5" name="页脚占位符 4">
             <a:extLst>
               <a:ext uri="{FF2B5EF4-FFF2-40B4-BE49-F238E27FC236}">
-                <a16:creationId xmlns:a16="http://schemas.microsoft.com/office/drawing/2014/main" id="{53D73B86-941A-FEF4-785F-D6B01E2ACB92}"/>
+                <a16:creationId xmlns:a16="http://schemas.microsoft.com/office/drawing/2014/main" id="{99CDE5BD-5096-D416-924F-12E8BC2817B8}"/>
               </a:ext>
             </a:extLst>
           </p:cNvPr>
@@ -290,7 +290,7 @@
           <p:cNvPr id="6" name="灯片编号占位符 5">
             <a:extLst>
               <a:ext uri="{FF2B5EF4-FFF2-40B4-BE49-F238E27FC236}">
-                <a16:creationId xmlns:a16="http://schemas.microsoft.com/office/drawing/2014/main" id="{4E12365C-752C-156F-3259-99A011BE1029}"/>
+                <a16:creationId xmlns:a16="http://schemas.microsoft.com/office/drawing/2014/main" id="{8B7F6398-F8E3-8F75-C2F4-FDC359774C84}"/>
               </a:ext>
             </a:extLst>
           </p:cNvPr>
@@ -306,7 +306,7 @@
           <a:bodyPr/>
           <a:lstStyle/>
           <a:p>
-            <a:fld id="{6BE3B1F6-4EA1-4AA1-9858-4A9809196409}" type="slidenum">
+            <a:fld id="{E172C9BC-1A35-4009-91A2-6135D05FF3D3}" type="slidenum">
               <a:rPr lang="zh-CN" altLang="en-US" smtClean="0"/>
               <a:t>‹#›</a:t>
             </a:fld>
@@ -317,7 +317,7 @@
     </p:spTree>
     <p:extLst>
       <p:ext uri="{BB962C8B-B14F-4D97-AF65-F5344CB8AC3E}">
-        <p14:creationId xmlns:p14="http://schemas.microsoft.com/office/powerpoint/2010/main" val="2514913306"/>
+        <p14:creationId xmlns:p14="http://schemas.microsoft.com/office/powerpoint/2010/main" val="1668412815"/>
       </p:ext>
     </p:extLst>
   </p:cSld>
@@ -349,7 +349,7 @@
           <p:cNvPr id="2" name="标题 1">
             <a:extLst>
               <a:ext uri="{FF2B5EF4-FFF2-40B4-BE49-F238E27FC236}">
-                <a16:creationId xmlns:a16="http://schemas.microsoft.com/office/drawing/2014/main" id="{E0CC4612-A7D0-9278-E925-F4D1E417AD38}"/>
+                <a16:creationId xmlns:a16="http://schemas.microsoft.com/office/drawing/2014/main" id="{1F8CE9E2-EFC6-D403-4A07-56C8586AFC42}"/>
               </a:ext>
             </a:extLst>
           </p:cNvPr>
@@ -377,7 +377,7 @@
           <p:cNvPr id="3" name="竖排文字占位符 2">
             <a:extLst>
               <a:ext uri="{FF2B5EF4-FFF2-40B4-BE49-F238E27FC236}">
-                <a16:creationId xmlns:a16="http://schemas.microsoft.com/office/drawing/2014/main" id="{64450CD4-A983-5A34-A453-010827FEE51C}"/>
+                <a16:creationId xmlns:a16="http://schemas.microsoft.com/office/drawing/2014/main" id="{A3F5D315-02CD-1BA5-D98D-DE58597C1729}"/>
               </a:ext>
             </a:extLst>
           </p:cNvPr>
@@ -434,7 +434,7 @@
           <p:cNvPr id="4" name="日期占位符 3">
             <a:extLst>
               <a:ext uri="{FF2B5EF4-FFF2-40B4-BE49-F238E27FC236}">
-                <a16:creationId xmlns:a16="http://schemas.microsoft.com/office/drawing/2014/main" id="{9E475A02-9C46-0782-5E5E-B0A3E2D6DB30}"/>
+                <a16:creationId xmlns:a16="http://schemas.microsoft.com/office/drawing/2014/main" id="{45CF01EC-C69C-A016-0D81-6E8AC322C256}"/>
               </a:ext>
             </a:extLst>
           </p:cNvPr>
@@ -450,7 +450,7 @@
           <a:bodyPr/>
           <a:lstStyle/>
           <a:p>
-            <a:fld id="{218EE223-BE68-4C6E-9576-D4645C9D61B4}" type="datetimeFigureOut">
+            <a:fld id="{FD436B6F-515A-47BD-8441-0AC946FD2E13}" type="datetimeFigureOut">
               <a:rPr lang="zh-CN" altLang="en-US" smtClean="0"/>
               <a:t>2024/3/10</a:t>
             </a:fld>
@@ -463,7 +463,7 @@
           <p:cNvPr id="5" name="页脚占位符 4">
             <a:extLst>
               <a:ext uri="{FF2B5EF4-FFF2-40B4-BE49-F238E27FC236}">
-                <a16:creationId xmlns:a16="http://schemas.microsoft.com/office/drawing/2014/main" id="{ABE76273-7C60-1B5C-B30C-3D2E20C85E4A}"/>
+                <a16:creationId xmlns:a16="http://schemas.microsoft.com/office/drawing/2014/main" id="{B7397344-C78D-6404-9363-AC01845E1895}"/>
               </a:ext>
             </a:extLst>
           </p:cNvPr>
@@ -488,7 +488,7 @@
           <p:cNvPr id="6" name="灯片编号占位符 5">
             <a:extLst>
               <a:ext uri="{FF2B5EF4-FFF2-40B4-BE49-F238E27FC236}">
-                <a16:creationId xmlns:a16="http://schemas.microsoft.com/office/drawing/2014/main" id="{07EBDB63-6ABC-B61A-C6D4-E21C63BD9639}"/>
+                <a16:creationId xmlns:a16="http://schemas.microsoft.com/office/drawing/2014/main" id="{65D4A289-5EB0-35F3-80DD-AA7A7B806637}"/>
               </a:ext>
             </a:extLst>
           </p:cNvPr>
@@ -504,7 +504,7 @@
           <a:bodyPr/>
           <a:lstStyle/>
           <a:p>
-            <a:fld id="{6BE3B1F6-4EA1-4AA1-9858-4A9809196409}" type="slidenum">
+            <a:fld id="{E172C9BC-1A35-4009-91A2-6135D05FF3D3}" type="slidenum">
               <a:rPr lang="zh-CN" altLang="en-US" smtClean="0"/>
               <a:t>‹#›</a:t>
             </a:fld>
@@ -515,7 +515,7 @@
     </p:spTree>
     <p:extLst>
       <p:ext uri="{BB962C8B-B14F-4D97-AF65-F5344CB8AC3E}">
-        <p14:creationId xmlns:p14="http://schemas.microsoft.com/office/powerpoint/2010/main" val="820594805"/>
+        <p14:creationId xmlns:p14="http://schemas.microsoft.com/office/powerpoint/2010/main" val="3529585035"/>
       </p:ext>
     </p:extLst>
   </p:cSld>
@@ -547,7 +547,7 @@
           <p:cNvPr id="2" name="竖排标题 1">
             <a:extLst>
               <a:ext uri="{FF2B5EF4-FFF2-40B4-BE49-F238E27FC236}">
-                <a16:creationId xmlns:a16="http://schemas.microsoft.com/office/drawing/2014/main" id="{6C803593-EC4F-2AEA-FFCA-FC9566D9567E}"/>
+                <a16:creationId xmlns:a16="http://schemas.microsoft.com/office/drawing/2014/main" id="{B8458915-DA31-2A3E-FB2F-247B5266026D}"/>
               </a:ext>
             </a:extLst>
           </p:cNvPr>
@@ -580,7 +580,7 @@
           <p:cNvPr id="3" name="竖排文字占位符 2">
             <a:extLst>
               <a:ext uri="{FF2B5EF4-FFF2-40B4-BE49-F238E27FC236}">
-                <a16:creationId xmlns:a16="http://schemas.microsoft.com/office/drawing/2014/main" id="{643F350A-5CED-C553-0A71-F8A6EF651CBC}"/>
+                <a16:creationId xmlns:a16="http://schemas.microsoft.com/office/drawing/2014/main" id="{38B91393-EB71-DA26-A32C-A35294CDC65F}"/>
               </a:ext>
             </a:extLst>
           </p:cNvPr>
@@ -642,7 +642,7 @@
           <p:cNvPr id="4" name="日期占位符 3">
             <a:extLst>
               <a:ext uri="{FF2B5EF4-FFF2-40B4-BE49-F238E27FC236}">
-                <a16:creationId xmlns:a16="http://schemas.microsoft.com/office/drawing/2014/main" id="{91E1E6F0-F7FD-E968-1822-B0817B8C8364}"/>
+                <a16:creationId xmlns:a16="http://schemas.microsoft.com/office/drawing/2014/main" id="{A29113A5-0479-B8AF-75E1-3FACDB3B3571}"/>
               </a:ext>
             </a:extLst>
           </p:cNvPr>
@@ -658,7 +658,7 @@
           <a:bodyPr/>
           <a:lstStyle/>
           <a:p>
-            <a:fld id="{218EE223-BE68-4C6E-9576-D4645C9D61B4}" type="datetimeFigureOut">
+            <a:fld id="{FD436B6F-515A-47BD-8441-0AC946FD2E13}" type="datetimeFigureOut">
               <a:rPr lang="zh-CN" altLang="en-US" smtClean="0"/>
               <a:t>2024/3/10</a:t>
             </a:fld>
@@ -671,7 +671,7 @@
           <p:cNvPr id="5" name="页脚占位符 4">
             <a:extLst>
               <a:ext uri="{FF2B5EF4-FFF2-40B4-BE49-F238E27FC236}">
-                <a16:creationId xmlns:a16="http://schemas.microsoft.com/office/drawing/2014/main" id="{A3BD9AF7-32B1-10B5-F1AA-894953B8F6F6}"/>
+                <a16:creationId xmlns:a16="http://schemas.microsoft.com/office/drawing/2014/main" id="{DD10B25F-5B89-B0B6-B85A-8A044CA1E575}"/>
               </a:ext>
             </a:extLst>
           </p:cNvPr>
@@ -696,7 +696,7 @@
           <p:cNvPr id="6" name="灯片编号占位符 5">
             <a:extLst>
               <a:ext uri="{FF2B5EF4-FFF2-40B4-BE49-F238E27FC236}">
-                <a16:creationId xmlns:a16="http://schemas.microsoft.com/office/drawing/2014/main" id="{AFC51963-CEBC-39A2-508C-70E51867B830}"/>
+                <a16:creationId xmlns:a16="http://schemas.microsoft.com/office/drawing/2014/main" id="{10DF29A5-66B1-F810-C840-AAC07297F1CA}"/>
               </a:ext>
             </a:extLst>
           </p:cNvPr>
@@ -712,7 +712,7 @@
           <a:bodyPr/>
           <a:lstStyle/>
           <a:p>
-            <a:fld id="{6BE3B1F6-4EA1-4AA1-9858-4A9809196409}" type="slidenum">
+            <a:fld id="{E172C9BC-1A35-4009-91A2-6135D05FF3D3}" type="slidenum">
               <a:rPr lang="zh-CN" altLang="en-US" smtClean="0"/>
               <a:t>‹#›</a:t>
             </a:fld>
@@ -723,7 +723,7 @@
     </p:spTree>
     <p:extLst>
       <p:ext uri="{BB962C8B-B14F-4D97-AF65-F5344CB8AC3E}">
-        <p14:creationId xmlns:p14="http://schemas.microsoft.com/office/powerpoint/2010/main" val="1956934858"/>
+        <p14:creationId xmlns:p14="http://schemas.microsoft.com/office/powerpoint/2010/main" val="3651662852"/>
       </p:ext>
     </p:extLst>
   </p:cSld>
@@ -755,7 +755,7 @@
           <p:cNvPr id="2" name="标题 1">
             <a:extLst>
               <a:ext uri="{FF2B5EF4-FFF2-40B4-BE49-F238E27FC236}">
-                <a16:creationId xmlns:a16="http://schemas.microsoft.com/office/drawing/2014/main" id="{D5164099-0F9E-94CD-959D-8494962F1549}"/>
+                <a16:creationId xmlns:a16="http://schemas.microsoft.com/office/drawing/2014/main" id="{AD4D548A-B7EB-C040-0819-197D3432A942}"/>
               </a:ext>
             </a:extLst>
           </p:cNvPr>
@@ -783,7 +783,7 @@
           <p:cNvPr id="3" name="内容占位符 2">
             <a:extLst>
               <a:ext uri="{FF2B5EF4-FFF2-40B4-BE49-F238E27FC236}">
-                <a16:creationId xmlns:a16="http://schemas.microsoft.com/office/drawing/2014/main" id="{6ECCFB01-A071-3C56-E254-2B6B229238E2}"/>
+                <a16:creationId xmlns:a16="http://schemas.microsoft.com/office/drawing/2014/main" id="{2827A095-5EA4-68C3-5CA2-B0F72E721C86}"/>
               </a:ext>
             </a:extLst>
           </p:cNvPr>
@@ -840,7 +840,7 @@
           <p:cNvPr id="4" name="日期占位符 3">
             <a:extLst>
               <a:ext uri="{FF2B5EF4-FFF2-40B4-BE49-F238E27FC236}">
-                <a16:creationId xmlns:a16="http://schemas.microsoft.com/office/drawing/2014/main" id="{0523CC02-2BD2-2322-23AD-1B7AF343FA45}"/>
+                <a16:creationId xmlns:a16="http://schemas.microsoft.com/office/drawing/2014/main" id="{A285C9BA-A640-722C-DE8B-630F7CBDD8CE}"/>
               </a:ext>
             </a:extLst>
           </p:cNvPr>
@@ -856,7 +856,7 @@
           <a:bodyPr/>
           <a:lstStyle/>
           <a:p>
-            <a:fld id="{218EE223-BE68-4C6E-9576-D4645C9D61B4}" type="datetimeFigureOut">
+            <a:fld id="{FD436B6F-515A-47BD-8441-0AC946FD2E13}" type="datetimeFigureOut">
               <a:rPr lang="zh-CN" altLang="en-US" smtClean="0"/>
               <a:t>2024/3/10</a:t>
             </a:fld>
@@ -869,7 +869,7 @@
           <p:cNvPr id="5" name="页脚占位符 4">
             <a:extLst>
               <a:ext uri="{FF2B5EF4-FFF2-40B4-BE49-F238E27FC236}">
-                <a16:creationId xmlns:a16="http://schemas.microsoft.com/office/drawing/2014/main" id="{64E13927-33CF-D53D-36CB-8C941159DDA0}"/>
+                <a16:creationId xmlns:a16="http://schemas.microsoft.com/office/drawing/2014/main" id="{9AC0FAAF-C05E-5A75-A36A-04043F397EF2}"/>
               </a:ext>
             </a:extLst>
           </p:cNvPr>
@@ -894,7 +894,7 @@
           <p:cNvPr id="6" name="灯片编号占位符 5">
             <a:extLst>
               <a:ext uri="{FF2B5EF4-FFF2-40B4-BE49-F238E27FC236}">
-                <a16:creationId xmlns:a16="http://schemas.microsoft.com/office/drawing/2014/main" id="{51075D55-304A-80FC-57D3-3EDFC876A7CF}"/>
+                <a16:creationId xmlns:a16="http://schemas.microsoft.com/office/drawing/2014/main" id="{A652C380-2B08-74B9-8A59-063701BCAE7F}"/>
               </a:ext>
             </a:extLst>
           </p:cNvPr>
@@ -910,7 +910,7 @@
           <a:bodyPr/>
           <a:lstStyle/>
           <a:p>
-            <a:fld id="{6BE3B1F6-4EA1-4AA1-9858-4A9809196409}" type="slidenum">
+            <a:fld id="{E172C9BC-1A35-4009-91A2-6135D05FF3D3}" type="slidenum">
               <a:rPr lang="zh-CN" altLang="en-US" smtClean="0"/>
               <a:t>‹#›</a:t>
             </a:fld>
@@ -921,7 +921,7 @@
     </p:spTree>
     <p:extLst>
       <p:ext uri="{BB962C8B-B14F-4D97-AF65-F5344CB8AC3E}">
-        <p14:creationId xmlns:p14="http://schemas.microsoft.com/office/powerpoint/2010/main" val="3409578103"/>
+        <p14:creationId xmlns:p14="http://schemas.microsoft.com/office/powerpoint/2010/main" val="3278386212"/>
       </p:ext>
     </p:extLst>
   </p:cSld>
@@ -953,7 +953,7 @@
           <p:cNvPr id="2" name="标题 1">
             <a:extLst>
               <a:ext uri="{FF2B5EF4-FFF2-40B4-BE49-F238E27FC236}">
-                <a16:creationId xmlns:a16="http://schemas.microsoft.com/office/drawing/2014/main" id="{C9709E59-1FB1-A243-8784-3236AA7925EC}"/>
+                <a16:creationId xmlns:a16="http://schemas.microsoft.com/office/drawing/2014/main" id="{A6F88E8E-DB82-20B6-5926-827CFF72E655}"/>
               </a:ext>
             </a:extLst>
           </p:cNvPr>
@@ -990,7 +990,7 @@
           <p:cNvPr id="3" name="文本占位符 2">
             <a:extLst>
               <a:ext uri="{FF2B5EF4-FFF2-40B4-BE49-F238E27FC236}">
-                <a16:creationId xmlns:a16="http://schemas.microsoft.com/office/drawing/2014/main" id="{F7B3B5F0-8D52-A0D7-4BAC-705E8B2A75F8}"/>
+                <a16:creationId xmlns:a16="http://schemas.microsoft.com/office/drawing/2014/main" id="{56F9DB20-F689-4927-9CF6-72711A417FA7}"/>
               </a:ext>
             </a:extLst>
           </p:cNvPr>
@@ -1115,7 +1115,7 @@
           <p:cNvPr id="4" name="日期占位符 3">
             <a:extLst>
               <a:ext uri="{FF2B5EF4-FFF2-40B4-BE49-F238E27FC236}">
-                <a16:creationId xmlns:a16="http://schemas.microsoft.com/office/drawing/2014/main" id="{1EE7443C-A4C0-8CBE-19A3-2C585E61E6C4}"/>
+                <a16:creationId xmlns:a16="http://schemas.microsoft.com/office/drawing/2014/main" id="{FBF0D687-61D1-1493-6522-039AE712BEB5}"/>
               </a:ext>
             </a:extLst>
           </p:cNvPr>
@@ -1131,7 +1131,7 @@
           <a:bodyPr/>
           <a:lstStyle/>
           <a:p>
-            <a:fld id="{218EE223-BE68-4C6E-9576-D4645C9D61B4}" type="datetimeFigureOut">
+            <a:fld id="{FD436B6F-515A-47BD-8441-0AC946FD2E13}" type="datetimeFigureOut">
               <a:rPr lang="zh-CN" altLang="en-US" smtClean="0"/>
               <a:t>2024/3/10</a:t>
             </a:fld>
@@ -1144,7 +1144,7 @@
           <p:cNvPr id="5" name="页脚占位符 4">
             <a:extLst>
               <a:ext uri="{FF2B5EF4-FFF2-40B4-BE49-F238E27FC236}">
-                <a16:creationId xmlns:a16="http://schemas.microsoft.com/office/drawing/2014/main" id="{764FACEA-680A-BD0C-F569-6CEE30E62FDD}"/>
+                <a16:creationId xmlns:a16="http://schemas.microsoft.com/office/drawing/2014/main" id="{94AA431D-A36C-BF4C-1427-2EF4120FCE21}"/>
               </a:ext>
             </a:extLst>
           </p:cNvPr>
@@ -1169,7 +1169,7 @@
           <p:cNvPr id="6" name="灯片编号占位符 5">
             <a:extLst>
               <a:ext uri="{FF2B5EF4-FFF2-40B4-BE49-F238E27FC236}">
-                <a16:creationId xmlns:a16="http://schemas.microsoft.com/office/drawing/2014/main" id="{718BC469-4C82-9031-DC7B-C0EDB44D0021}"/>
+                <a16:creationId xmlns:a16="http://schemas.microsoft.com/office/drawing/2014/main" id="{9552B4D2-F224-C522-A185-CE808AC3AF00}"/>
               </a:ext>
             </a:extLst>
           </p:cNvPr>
@@ -1185,7 +1185,7 @@
           <a:bodyPr/>
           <a:lstStyle/>
           <a:p>
-            <a:fld id="{6BE3B1F6-4EA1-4AA1-9858-4A9809196409}" type="slidenum">
+            <a:fld id="{E172C9BC-1A35-4009-91A2-6135D05FF3D3}" type="slidenum">
               <a:rPr lang="zh-CN" altLang="en-US" smtClean="0"/>
               <a:t>‹#›</a:t>
             </a:fld>
@@ -1196,7 +1196,7 @@
     </p:spTree>
     <p:extLst>
       <p:ext uri="{BB962C8B-B14F-4D97-AF65-F5344CB8AC3E}">
-        <p14:creationId xmlns:p14="http://schemas.microsoft.com/office/powerpoint/2010/main" val="1855702532"/>
+        <p14:creationId xmlns:p14="http://schemas.microsoft.com/office/powerpoint/2010/main" val="650243461"/>
       </p:ext>
     </p:extLst>
   </p:cSld>
@@ -1228,7 +1228,7 @@
           <p:cNvPr id="2" name="标题 1">
             <a:extLst>
               <a:ext uri="{FF2B5EF4-FFF2-40B4-BE49-F238E27FC236}">
-                <a16:creationId xmlns:a16="http://schemas.microsoft.com/office/drawing/2014/main" id="{A608CC7E-B33B-1928-BFA1-2BE562C4F4D9}"/>
+                <a16:creationId xmlns:a16="http://schemas.microsoft.com/office/drawing/2014/main" id="{2807E6D2-06CA-F8EF-13C5-208CD2A6D186}"/>
               </a:ext>
             </a:extLst>
           </p:cNvPr>
@@ -1256,7 +1256,7 @@
           <p:cNvPr id="3" name="内容占位符 2">
             <a:extLst>
               <a:ext uri="{FF2B5EF4-FFF2-40B4-BE49-F238E27FC236}">
-                <a16:creationId xmlns:a16="http://schemas.microsoft.com/office/drawing/2014/main" id="{E99CADD4-0A93-7E9A-44D2-46F898F7E37F}"/>
+                <a16:creationId xmlns:a16="http://schemas.microsoft.com/office/drawing/2014/main" id="{776B3B43-1A67-C4CF-5FF8-5B89420A25F5}"/>
               </a:ext>
             </a:extLst>
           </p:cNvPr>
@@ -1318,7 +1318,7 @@
           <p:cNvPr id="4" name="内容占位符 3">
             <a:extLst>
               <a:ext uri="{FF2B5EF4-FFF2-40B4-BE49-F238E27FC236}">
-                <a16:creationId xmlns:a16="http://schemas.microsoft.com/office/drawing/2014/main" id="{EAD93C5B-8B2E-A667-EAFD-A05137EB02A9}"/>
+                <a16:creationId xmlns:a16="http://schemas.microsoft.com/office/drawing/2014/main" id="{DB2B708C-2954-92D6-9450-65A04E115FFE}"/>
               </a:ext>
             </a:extLst>
           </p:cNvPr>
@@ -1380,7 +1380,7 @@
           <p:cNvPr id="5" name="日期占位符 4">
             <a:extLst>
               <a:ext uri="{FF2B5EF4-FFF2-40B4-BE49-F238E27FC236}">
-                <a16:creationId xmlns:a16="http://schemas.microsoft.com/office/drawing/2014/main" id="{F3B22D73-D562-4148-A90D-2664E2C1D7EC}"/>
+                <a16:creationId xmlns:a16="http://schemas.microsoft.com/office/drawing/2014/main" id="{98CBCF58-44C7-942A-C035-5F5969B7D967}"/>
               </a:ext>
             </a:extLst>
           </p:cNvPr>
@@ -1396,7 +1396,7 @@
           <a:bodyPr/>
           <a:lstStyle/>
           <a:p>
-            <a:fld id="{218EE223-BE68-4C6E-9576-D4645C9D61B4}" type="datetimeFigureOut">
+            <a:fld id="{FD436B6F-515A-47BD-8441-0AC946FD2E13}" type="datetimeFigureOut">
               <a:rPr lang="zh-CN" altLang="en-US" smtClean="0"/>
               <a:t>2024/3/10</a:t>
             </a:fld>
@@ -1409,7 +1409,7 @@
           <p:cNvPr id="6" name="页脚占位符 5">
             <a:extLst>
               <a:ext uri="{FF2B5EF4-FFF2-40B4-BE49-F238E27FC236}">
-                <a16:creationId xmlns:a16="http://schemas.microsoft.com/office/drawing/2014/main" id="{1CBD05FA-B9B1-01AC-5DC1-21D4084A1679}"/>
+                <a16:creationId xmlns:a16="http://schemas.microsoft.com/office/drawing/2014/main" id="{28F63F5A-76E6-4858-9E16-6AA46CF0E50C}"/>
               </a:ext>
             </a:extLst>
           </p:cNvPr>
@@ -1434,7 +1434,7 @@
           <p:cNvPr id="7" name="灯片编号占位符 6">
             <a:extLst>
               <a:ext uri="{FF2B5EF4-FFF2-40B4-BE49-F238E27FC236}">
-                <a16:creationId xmlns:a16="http://schemas.microsoft.com/office/drawing/2014/main" id="{22FACF06-CBC8-BE2A-53E2-D3F7C31E74D4}"/>
+                <a16:creationId xmlns:a16="http://schemas.microsoft.com/office/drawing/2014/main" id="{C619C4EC-3A7E-F222-88F3-5052107E9A49}"/>
               </a:ext>
             </a:extLst>
           </p:cNvPr>
@@ -1450,7 +1450,7 @@
           <a:bodyPr/>
           <a:lstStyle/>
           <a:p>
-            <a:fld id="{6BE3B1F6-4EA1-4AA1-9858-4A9809196409}" type="slidenum">
+            <a:fld id="{E172C9BC-1A35-4009-91A2-6135D05FF3D3}" type="slidenum">
               <a:rPr lang="zh-CN" altLang="en-US" smtClean="0"/>
               <a:t>‹#›</a:t>
             </a:fld>
@@ -1461,7 +1461,7 @@
     </p:spTree>
     <p:extLst>
       <p:ext uri="{BB962C8B-B14F-4D97-AF65-F5344CB8AC3E}">
-        <p14:creationId xmlns:p14="http://schemas.microsoft.com/office/powerpoint/2010/main" val="4234985592"/>
+        <p14:creationId xmlns:p14="http://schemas.microsoft.com/office/powerpoint/2010/main" val="2922755721"/>
       </p:ext>
     </p:extLst>
   </p:cSld>
@@ -1493,7 +1493,7 @@
           <p:cNvPr id="2" name="标题 1">
             <a:extLst>
               <a:ext uri="{FF2B5EF4-FFF2-40B4-BE49-F238E27FC236}">
-                <a16:creationId xmlns:a16="http://schemas.microsoft.com/office/drawing/2014/main" id="{7E111993-E0B6-DC01-FB24-A8EA1E06E6FF}"/>
+                <a16:creationId xmlns:a16="http://schemas.microsoft.com/office/drawing/2014/main" id="{768E35FA-F8F9-B30A-9CC3-B19C16F14ABF}"/>
               </a:ext>
             </a:extLst>
           </p:cNvPr>
@@ -1526,7 +1526,7 @@
           <p:cNvPr id="3" name="文本占位符 2">
             <a:extLst>
               <a:ext uri="{FF2B5EF4-FFF2-40B4-BE49-F238E27FC236}">
-                <a16:creationId xmlns:a16="http://schemas.microsoft.com/office/drawing/2014/main" id="{26314FB6-9E36-ABC8-8C1C-54DFE94CE39F}"/>
+                <a16:creationId xmlns:a16="http://schemas.microsoft.com/office/drawing/2014/main" id="{24124773-D508-62DF-87CB-27F47DA612DE}"/>
               </a:ext>
             </a:extLst>
           </p:cNvPr>
@@ -1597,7 +1597,7 @@
           <p:cNvPr id="4" name="内容占位符 3">
             <a:extLst>
               <a:ext uri="{FF2B5EF4-FFF2-40B4-BE49-F238E27FC236}">
-                <a16:creationId xmlns:a16="http://schemas.microsoft.com/office/drawing/2014/main" id="{698FE813-958E-2955-7D1E-B987F53CED7A}"/>
+                <a16:creationId xmlns:a16="http://schemas.microsoft.com/office/drawing/2014/main" id="{BAF8FA56-5CCD-51C5-CB94-640265861DC9}"/>
               </a:ext>
             </a:extLst>
           </p:cNvPr>
@@ -1659,7 +1659,7 @@
           <p:cNvPr id="5" name="文本占位符 4">
             <a:extLst>
               <a:ext uri="{FF2B5EF4-FFF2-40B4-BE49-F238E27FC236}">
-                <a16:creationId xmlns:a16="http://schemas.microsoft.com/office/drawing/2014/main" id="{02E5F1F8-A3C7-111E-B10D-EDFCFC886794}"/>
+                <a16:creationId xmlns:a16="http://schemas.microsoft.com/office/drawing/2014/main" id="{6DF3F357-06B3-736A-9AE3-2665717787F4}"/>
               </a:ext>
             </a:extLst>
           </p:cNvPr>
@@ -1730,7 +1730,7 @@
           <p:cNvPr id="6" name="内容占位符 5">
             <a:extLst>
               <a:ext uri="{FF2B5EF4-FFF2-40B4-BE49-F238E27FC236}">
-                <a16:creationId xmlns:a16="http://schemas.microsoft.com/office/drawing/2014/main" id="{BB2EEFD2-B260-D5BA-F6E1-2E5DE86F0AB8}"/>
+                <a16:creationId xmlns:a16="http://schemas.microsoft.com/office/drawing/2014/main" id="{2DB9A40D-28E0-B1A2-52E1-9DED0F9AE4B0}"/>
               </a:ext>
             </a:extLst>
           </p:cNvPr>
@@ -1792,7 +1792,7 @@
           <p:cNvPr id="7" name="日期占位符 6">
             <a:extLst>
               <a:ext uri="{FF2B5EF4-FFF2-40B4-BE49-F238E27FC236}">
-                <a16:creationId xmlns:a16="http://schemas.microsoft.com/office/drawing/2014/main" id="{0FA226C7-A836-E2E6-CB17-FF0E9D0808FD}"/>
+                <a16:creationId xmlns:a16="http://schemas.microsoft.com/office/drawing/2014/main" id="{DBD3EB2F-EE05-103D-E3AE-0A315757F583}"/>
               </a:ext>
             </a:extLst>
           </p:cNvPr>
@@ -1808,7 +1808,7 @@
           <a:bodyPr/>
           <a:lstStyle/>
           <a:p>
-            <a:fld id="{218EE223-BE68-4C6E-9576-D4645C9D61B4}" type="datetimeFigureOut">
+            <a:fld id="{FD436B6F-515A-47BD-8441-0AC946FD2E13}" type="datetimeFigureOut">
               <a:rPr lang="zh-CN" altLang="en-US" smtClean="0"/>
               <a:t>2024/3/10</a:t>
             </a:fld>
@@ -1821,7 +1821,7 @@
           <p:cNvPr id="8" name="页脚占位符 7">
             <a:extLst>
               <a:ext uri="{FF2B5EF4-FFF2-40B4-BE49-F238E27FC236}">
-                <a16:creationId xmlns:a16="http://schemas.microsoft.com/office/drawing/2014/main" id="{BA36B2E2-0251-2E24-CD0F-55CA091697D1}"/>
+                <a16:creationId xmlns:a16="http://schemas.microsoft.com/office/drawing/2014/main" id="{E224928D-9888-135C-D2ED-DDE32694309E}"/>
               </a:ext>
             </a:extLst>
           </p:cNvPr>
@@ -1846,7 +1846,7 @@
           <p:cNvPr id="9" name="灯片编号占位符 8">
             <a:extLst>
               <a:ext uri="{FF2B5EF4-FFF2-40B4-BE49-F238E27FC236}">
-                <a16:creationId xmlns:a16="http://schemas.microsoft.com/office/drawing/2014/main" id="{24858FF6-BD23-6121-F3D7-3B0E1BBBEF4D}"/>
+                <a16:creationId xmlns:a16="http://schemas.microsoft.com/office/drawing/2014/main" id="{F6EE148D-4CA6-F7B4-EB58-6D402BE5CBCC}"/>
               </a:ext>
             </a:extLst>
           </p:cNvPr>
@@ -1862,7 +1862,7 @@
           <a:bodyPr/>
           <a:lstStyle/>
           <a:p>
-            <a:fld id="{6BE3B1F6-4EA1-4AA1-9858-4A9809196409}" type="slidenum">
+            <a:fld id="{E172C9BC-1A35-4009-91A2-6135D05FF3D3}" type="slidenum">
               <a:rPr lang="zh-CN" altLang="en-US" smtClean="0"/>
               <a:t>‹#›</a:t>
             </a:fld>
@@ -1873,7 +1873,7 @@
     </p:spTree>
     <p:extLst>
       <p:ext uri="{BB962C8B-B14F-4D97-AF65-F5344CB8AC3E}">
-        <p14:creationId xmlns:p14="http://schemas.microsoft.com/office/powerpoint/2010/main" val="3599060842"/>
+        <p14:creationId xmlns:p14="http://schemas.microsoft.com/office/powerpoint/2010/main" val="2635018346"/>
       </p:ext>
     </p:extLst>
   </p:cSld>
@@ -1905,7 +1905,7 @@
           <p:cNvPr id="2" name="标题 1">
             <a:extLst>
               <a:ext uri="{FF2B5EF4-FFF2-40B4-BE49-F238E27FC236}">
-                <a16:creationId xmlns:a16="http://schemas.microsoft.com/office/drawing/2014/main" id="{31CE5489-7662-D058-37D1-B1748638AC05}"/>
+                <a16:creationId xmlns:a16="http://schemas.microsoft.com/office/drawing/2014/main" id="{848F9715-6FE7-F2E5-2276-D6A81D462D06}"/>
               </a:ext>
             </a:extLst>
           </p:cNvPr>
@@ -1933,7 +1933,7 @@
           <p:cNvPr id="3" name="日期占位符 2">
             <a:extLst>
               <a:ext uri="{FF2B5EF4-FFF2-40B4-BE49-F238E27FC236}">
-                <a16:creationId xmlns:a16="http://schemas.microsoft.com/office/drawing/2014/main" id="{53431B37-BB0E-EB5A-1676-85B0C3D554B6}"/>
+                <a16:creationId xmlns:a16="http://schemas.microsoft.com/office/drawing/2014/main" id="{1C12C260-C352-1E30-0FDE-E4E06603D7AA}"/>
               </a:ext>
             </a:extLst>
           </p:cNvPr>
@@ -1949,7 +1949,7 @@
           <a:bodyPr/>
           <a:lstStyle/>
           <a:p>
-            <a:fld id="{218EE223-BE68-4C6E-9576-D4645C9D61B4}" type="datetimeFigureOut">
+            <a:fld id="{FD436B6F-515A-47BD-8441-0AC946FD2E13}" type="datetimeFigureOut">
               <a:rPr lang="zh-CN" altLang="en-US" smtClean="0"/>
               <a:t>2024/3/10</a:t>
             </a:fld>
@@ -1962,7 +1962,7 @@
           <p:cNvPr id="4" name="页脚占位符 3">
             <a:extLst>
               <a:ext uri="{FF2B5EF4-FFF2-40B4-BE49-F238E27FC236}">
-                <a16:creationId xmlns:a16="http://schemas.microsoft.com/office/drawing/2014/main" id="{F49962B2-4F34-BB75-CE53-9749107389CE}"/>
+                <a16:creationId xmlns:a16="http://schemas.microsoft.com/office/drawing/2014/main" id="{16D785EE-648F-1B13-0619-6D6F7032BEC3}"/>
               </a:ext>
             </a:extLst>
           </p:cNvPr>
@@ -1987,7 +1987,7 @@
           <p:cNvPr id="5" name="灯片编号占位符 4">
             <a:extLst>
               <a:ext uri="{FF2B5EF4-FFF2-40B4-BE49-F238E27FC236}">
-                <a16:creationId xmlns:a16="http://schemas.microsoft.com/office/drawing/2014/main" id="{122DF7C1-C5AB-67F4-2B2C-EC4881B1AD46}"/>
+                <a16:creationId xmlns:a16="http://schemas.microsoft.com/office/drawing/2014/main" id="{3139B9CC-010C-DD00-7B78-98ED217B0189}"/>
               </a:ext>
             </a:extLst>
           </p:cNvPr>
@@ -2003,7 +2003,7 @@
           <a:bodyPr/>
           <a:lstStyle/>
           <a:p>
-            <a:fld id="{6BE3B1F6-4EA1-4AA1-9858-4A9809196409}" type="slidenum">
+            <a:fld id="{E172C9BC-1A35-4009-91A2-6135D05FF3D3}" type="slidenum">
               <a:rPr lang="zh-CN" altLang="en-US" smtClean="0"/>
               <a:t>‹#›</a:t>
             </a:fld>
@@ -2014,7 +2014,7 @@
     </p:spTree>
     <p:extLst>
       <p:ext uri="{BB962C8B-B14F-4D97-AF65-F5344CB8AC3E}">
-        <p14:creationId xmlns:p14="http://schemas.microsoft.com/office/powerpoint/2010/main" val="1451081352"/>
+        <p14:creationId xmlns:p14="http://schemas.microsoft.com/office/powerpoint/2010/main" val="1943938264"/>
       </p:ext>
     </p:extLst>
   </p:cSld>
@@ -2046,7 +2046,7 @@
           <p:cNvPr id="2" name="日期占位符 1">
             <a:extLst>
               <a:ext uri="{FF2B5EF4-FFF2-40B4-BE49-F238E27FC236}">
-                <a16:creationId xmlns:a16="http://schemas.microsoft.com/office/drawing/2014/main" id="{D5197A99-3953-2770-FD64-BEF9D55A56B9}"/>
+                <a16:creationId xmlns:a16="http://schemas.microsoft.com/office/drawing/2014/main" id="{81256B56-75C2-C186-B528-750AC93A4446}"/>
               </a:ext>
             </a:extLst>
           </p:cNvPr>
@@ -2062,7 +2062,7 @@
           <a:bodyPr/>
           <a:lstStyle/>
           <a:p>
-            <a:fld id="{218EE223-BE68-4C6E-9576-D4645C9D61B4}" type="datetimeFigureOut">
+            <a:fld id="{FD436B6F-515A-47BD-8441-0AC946FD2E13}" type="datetimeFigureOut">
               <a:rPr lang="zh-CN" altLang="en-US" smtClean="0"/>
               <a:t>2024/3/10</a:t>
             </a:fld>
@@ -2075,7 +2075,7 @@
           <p:cNvPr id="3" name="页脚占位符 2">
             <a:extLst>
               <a:ext uri="{FF2B5EF4-FFF2-40B4-BE49-F238E27FC236}">
-                <a16:creationId xmlns:a16="http://schemas.microsoft.com/office/drawing/2014/main" id="{CCBF1CC5-2A94-62D0-45D7-1075E52171CE}"/>
+                <a16:creationId xmlns:a16="http://schemas.microsoft.com/office/drawing/2014/main" id="{172C8029-0E03-4296-0861-F15A2846F729}"/>
               </a:ext>
             </a:extLst>
           </p:cNvPr>
@@ -2100,7 +2100,7 @@
           <p:cNvPr id="4" name="灯片编号占位符 3">
             <a:extLst>
               <a:ext uri="{FF2B5EF4-FFF2-40B4-BE49-F238E27FC236}">
-                <a16:creationId xmlns:a16="http://schemas.microsoft.com/office/drawing/2014/main" id="{7504D2AF-1400-7F8E-6327-2B8345BCC3FF}"/>
+                <a16:creationId xmlns:a16="http://schemas.microsoft.com/office/drawing/2014/main" id="{64CE0E95-BF43-F1E7-15AF-C66D7E8BB287}"/>
               </a:ext>
             </a:extLst>
           </p:cNvPr>
@@ -2116,7 +2116,7 @@
           <a:bodyPr/>
           <a:lstStyle/>
           <a:p>
-            <a:fld id="{6BE3B1F6-4EA1-4AA1-9858-4A9809196409}" type="slidenum">
+            <a:fld id="{E172C9BC-1A35-4009-91A2-6135D05FF3D3}" type="slidenum">
               <a:rPr lang="zh-CN" altLang="en-US" smtClean="0"/>
               <a:t>‹#›</a:t>
             </a:fld>
@@ -2127,7 +2127,7 @@
     </p:spTree>
     <p:extLst>
       <p:ext uri="{BB962C8B-B14F-4D97-AF65-F5344CB8AC3E}">
-        <p14:creationId xmlns:p14="http://schemas.microsoft.com/office/powerpoint/2010/main" val="2180754917"/>
+        <p14:creationId xmlns:p14="http://schemas.microsoft.com/office/powerpoint/2010/main" val="1519959150"/>
       </p:ext>
     </p:extLst>
   </p:cSld>
@@ -2159,7 +2159,7 @@
           <p:cNvPr id="2" name="标题 1">
             <a:extLst>
               <a:ext uri="{FF2B5EF4-FFF2-40B4-BE49-F238E27FC236}">
-                <a16:creationId xmlns:a16="http://schemas.microsoft.com/office/drawing/2014/main" id="{93F7C35A-D6D9-645B-123A-F40561CC51BB}"/>
+                <a16:creationId xmlns:a16="http://schemas.microsoft.com/office/drawing/2014/main" id="{BD617B69-DA25-5A0F-2B2C-DB3133E0527F}"/>
               </a:ext>
             </a:extLst>
           </p:cNvPr>
@@ -2196,7 +2196,7 @@
           <p:cNvPr id="3" name="内容占位符 2">
             <a:extLst>
               <a:ext uri="{FF2B5EF4-FFF2-40B4-BE49-F238E27FC236}">
-                <a16:creationId xmlns:a16="http://schemas.microsoft.com/office/drawing/2014/main" id="{67E9C730-B9CC-CBE2-884D-15444EB5FD5C}"/>
+                <a16:creationId xmlns:a16="http://schemas.microsoft.com/office/drawing/2014/main" id="{CCD46949-3437-94C3-ACD3-06555C42ED43}"/>
               </a:ext>
             </a:extLst>
           </p:cNvPr>
@@ -2286,7 +2286,7 @@
           <p:cNvPr id="4" name="文本占位符 3">
             <a:extLst>
               <a:ext uri="{FF2B5EF4-FFF2-40B4-BE49-F238E27FC236}">
-                <a16:creationId xmlns:a16="http://schemas.microsoft.com/office/drawing/2014/main" id="{38B98CC6-ADAE-7E46-480D-BC9CEE926B64}"/>
+                <a16:creationId xmlns:a16="http://schemas.microsoft.com/office/drawing/2014/main" id="{BFE443B8-5113-7491-5B46-264F2D4786BB}"/>
               </a:ext>
             </a:extLst>
           </p:cNvPr>
@@ -2357,7 +2357,7 @@
           <p:cNvPr id="5" name="日期占位符 4">
             <a:extLst>
               <a:ext uri="{FF2B5EF4-FFF2-40B4-BE49-F238E27FC236}">
-                <a16:creationId xmlns:a16="http://schemas.microsoft.com/office/drawing/2014/main" id="{633927F4-B8F2-A147-7824-BD271273AD85}"/>
+                <a16:creationId xmlns:a16="http://schemas.microsoft.com/office/drawing/2014/main" id="{4800080F-A2AC-0C21-D56C-B0992E0C98F4}"/>
               </a:ext>
             </a:extLst>
           </p:cNvPr>
@@ -2373,7 +2373,7 @@
           <a:bodyPr/>
           <a:lstStyle/>
           <a:p>
-            <a:fld id="{218EE223-BE68-4C6E-9576-D4645C9D61B4}" type="datetimeFigureOut">
+            <a:fld id="{FD436B6F-515A-47BD-8441-0AC946FD2E13}" type="datetimeFigureOut">
               <a:rPr lang="zh-CN" altLang="en-US" smtClean="0"/>
               <a:t>2024/3/10</a:t>
             </a:fld>
@@ -2386,7 +2386,7 @@
           <p:cNvPr id="6" name="页脚占位符 5">
             <a:extLst>
               <a:ext uri="{FF2B5EF4-FFF2-40B4-BE49-F238E27FC236}">
-                <a16:creationId xmlns:a16="http://schemas.microsoft.com/office/drawing/2014/main" id="{B940A6B0-B47E-1CD6-A5BB-4A3065DE2C85}"/>
+                <a16:creationId xmlns:a16="http://schemas.microsoft.com/office/drawing/2014/main" id="{0E3995D8-BC92-3016-D104-09AED42A3849}"/>
               </a:ext>
             </a:extLst>
           </p:cNvPr>
@@ -2411,7 +2411,7 @@
           <p:cNvPr id="7" name="灯片编号占位符 6">
             <a:extLst>
               <a:ext uri="{FF2B5EF4-FFF2-40B4-BE49-F238E27FC236}">
-                <a16:creationId xmlns:a16="http://schemas.microsoft.com/office/drawing/2014/main" id="{53BA7233-8581-F512-1572-B3012C87951A}"/>
+                <a16:creationId xmlns:a16="http://schemas.microsoft.com/office/drawing/2014/main" id="{FC7E1041-5518-643B-7ADA-45AD3EC4E4EF}"/>
               </a:ext>
             </a:extLst>
           </p:cNvPr>
@@ -2427,7 +2427,7 @@
           <a:bodyPr/>
           <a:lstStyle/>
           <a:p>
-            <a:fld id="{6BE3B1F6-4EA1-4AA1-9858-4A9809196409}" type="slidenum">
+            <a:fld id="{E172C9BC-1A35-4009-91A2-6135D05FF3D3}" type="slidenum">
               <a:rPr lang="zh-CN" altLang="en-US" smtClean="0"/>
               <a:t>‹#›</a:t>
             </a:fld>
@@ -2438,7 +2438,7 @@
     </p:spTree>
     <p:extLst>
       <p:ext uri="{BB962C8B-B14F-4D97-AF65-F5344CB8AC3E}">
-        <p14:creationId xmlns:p14="http://schemas.microsoft.com/office/powerpoint/2010/main" val="1483829459"/>
+        <p14:creationId xmlns:p14="http://schemas.microsoft.com/office/powerpoint/2010/main" val="4158730487"/>
       </p:ext>
     </p:extLst>
   </p:cSld>
@@ -2470,7 +2470,7 @@
           <p:cNvPr id="2" name="标题 1">
             <a:extLst>
               <a:ext uri="{FF2B5EF4-FFF2-40B4-BE49-F238E27FC236}">
-                <a16:creationId xmlns:a16="http://schemas.microsoft.com/office/drawing/2014/main" id="{E62B8F8B-2500-40E7-A55E-FC26847C526B}"/>
+                <a16:creationId xmlns:a16="http://schemas.microsoft.com/office/drawing/2014/main" id="{BFBB6E26-6174-D8D2-222E-6467F592C2C6}"/>
               </a:ext>
             </a:extLst>
           </p:cNvPr>
@@ -2507,7 +2507,7 @@
           <p:cNvPr id="3" name="图片占位符 2">
             <a:extLst>
               <a:ext uri="{FF2B5EF4-FFF2-40B4-BE49-F238E27FC236}">
-                <a16:creationId xmlns:a16="http://schemas.microsoft.com/office/drawing/2014/main" id="{CA649793-F0F6-348E-8570-04B74A621227}"/>
+                <a16:creationId xmlns:a16="http://schemas.microsoft.com/office/drawing/2014/main" id="{F52CA84C-4BE6-6624-90B0-EF71863577C0}"/>
               </a:ext>
             </a:extLst>
           </p:cNvPr>
@@ -2574,7 +2574,7 @@
           <p:cNvPr id="4" name="文本占位符 3">
             <a:extLst>
               <a:ext uri="{FF2B5EF4-FFF2-40B4-BE49-F238E27FC236}">
-                <a16:creationId xmlns:a16="http://schemas.microsoft.com/office/drawing/2014/main" id="{D7C82C9E-9EFA-FCAF-04CB-D583E2D7EA56}"/>
+                <a16:creationId xmlns:a16="http://schemas.microsoft.com/office/drawing/2014/main" id="{B09CB8DB-579A-5CF1-FF8C-D4360B4081AF}"/>
               </a:ext>
             </a:extLst>
           </p:cNvPr>
@@ -2645,7 +2645,7 @@
           <p:cNvPr id="5" name="日期占位符 4">
             <a:extLst>
               <a:ext uri="{FF2B5EF4-FFF2-40B4-BE49-F238E27FC236}">
-                <a16:creationId xmlns:a16="http://schemas.microsoft.com/office/drawing/2014/main" id="{1C08C75A-7650-ECD2-E3DF-3AB195E7458A}"/>
+                <a16:creationId xmlns:a16="http://schemas.microsoft.com/office/drawing/2014/main" id="{068C32E0-8B2D-CB63-AF9E-989374B87984}"/>
               </a:ext>
             </a:extLst>
           </p:cNvPr>
@@ -2661,7 +2661,7 @@
           <a:bodyPr/>
           <a:lstStyle/>
           <a:p>
-            <a:fld id="{218EE223-BE68-4C6E-9576-D4645C9D61B4}" type="datetimeFigureOut">
+            <a:fld id="{FD436B6F-515A-47BD-8441-0AC946FD2E13}" type="datetimeFigureOut">
               <a:rPr lang="zh-CN" altLang="en-US" smtClean="0"/>
               <a:t>2024/3/10</a:t>
             </a:fld>
@@ -2674,7 +2674,7 @@
           <p:cNvPr id="6" name="页脚占位符 5">
             <a:extLst>
               <a:ext uri="{FF2B5EF4-FFF2-40B4-BE49-F238E27FC236}">
-                <a16:creationId xmlns:a16="http://schemas.microsoft.com/office/drawing/2014/main" id="{D993F1FF-3464-ADA3-8905-5C80E5986019}"/>
+                <a16:creationId xmlns:a16="http://schemas.microsoft.com/office/drawing/2014/main" id="{55A70303-AD12-989E-2878-57F225634862}"/>
               </a:ext>
             </a:extLst>
           </p:cNvPr>
@@ -2699,7 +2699,7 @@
           <p:cNvPr id="7" name="灯片编号占位符 6">
             <a:extLst>
               <a:ext uri="{FF2B5EF4-FFF2-40B4-BE49-F238E27FC236}">
-                <a16:creationId xmlns:a16="http://schemas.microsoft.com/office/drawing/2014/main" id="{EA4D2225-02DE-17EE-56D1-56F2B22A8FFE}"/>
+                <a16:creationId xmlns:a16="http://schemas.microsoft.com/office/drawing/2014/main" id="{BE8C5ED4-22E2-3E85-1CB1-FFB494336F70}"/>
               </a:ext>
             </a:extLst>
           </p:cNvPr>
@@ -2715,7 +2715,7 @@
           <a:bodyPr/>
           <a:lstStyle/>
           <a:p>
-            <a:fld id="{6BE3B1F6-4EA1-4AA1-9858-4A9809196409}" type="slidenum">
+            <a:fld id="{E172C9BC-1A35-4009-91A2-6135D05FF3D3}" type="slidenum">
               <a:rPr lang="zh-CN" altLang="en-US" smtClean="0"/>
               <a:t>‹#›</a:t>
             </a:fld>
@@ -2726,7 +2726,7 @@
     </p:spTree>
     <p:extLst>
       <p:ext uri="{BB962C8B-B14F-4D97-AF65-F5344CB8AC3E}">
-        <p14:creationId xmlns:p14="http://schemas.microsoft.com/office/powerpoint/2010/main" val="3041639559"/>
+        <p14:creationId xmlns:p14="http://schemas.microsoft.com/office/powerpoint/2010/main" val="2328477716"/>
       </p:ext>
     </p:extLst>
   </p:cSld>
@@ -2763,7 +2763,7 @@
           <p:cNvPr id="2" name="标题占位符 1">
             <a:extLst>
               <a:ext uri="{FF2B5EF4-FFF2-40B4-BE49-F238E27FC236}">
-                <a16:creationId xmlns:a16="http://schemas.microsoft.com/office/drawing/2014/main" id="{953DB2BC-FE0D-B3F7-E8A2-E86745CACFD2}"/>
+                <a16:creationId xmlns:a16="http://schemas.microsoft.com/office/drawing/2014/main" id="{C6B54DCF-5EA5-13AC-F2E4-0832BA73D656}"/>
               </a:ext>
             </a:extLst>
           </p:cNvPr>
@@ -2801,7 +2801,7 @@
           <p:cNvPr id="3" name="文本占位符 2">
             <a:extLst>
               <a:ext uri="{FF2B5EF4-FFF2-40B4-BE49-F238E27FC236}">
-                <a16:creationId xmlns:a16="http://schemas.microsoft.com/office/drawing/2014/main" id="{3ECB1FD4-807F-EE33-A3BB-2E6BBD48E8CD}"/>
+                <a16:creationId xmlns:a16="http://schemas.microsoft.com/office/drawing/2014/main" id="{D8733BEF-AA8F-A2C4-75D4-D8673A5234F2}"/>
               </a:ext>
             </a:extLst>
           </p:cNvPr>
@@ -2868,7 +2868,7 @@
           <p:cNvPr id="4" name="日期占位符 3">
             <a:extLst>
               <a:ext uri="{FF2B5EF4-FFF2-40B4-BE49-F238E27FC236}">
-                <a16:creationId xmlns:a16="http://schemas.microsoft.com/office/drawing/2014/main" id="{136B762A-4684-9056-9727-059531F6864B}"/>
+                <a16:creationId xmlns:a16="http://schemas.microsoft.com/office/drawing/2014/main" id="{24646B1E-2F10-EE05-509E-6843F0C2A19D}"/>
               </a:ext>
             </a:extLst>
           </p:cNvPr>
@@ -2902,7 +2902,7 @@
             </a:lvl1pPr>
           </a:lstStyle>
           <a:p>
-            <a:fld id="{218EE223-BE68-4C6E-9576-D4645C9D61B4}" type="datetimeFigureOut">
+            <a:fld id="{FD436B6F-515A-47BD-8441-0AC946FD2E13}" type="datetimeFigureOut">
               <a:rPr lang="zh-CN" altLang="en-US" smtClean="0"/>
               <a:t>2024/3/10</a:t>
             </a:fld>
@@ -2915,7 +2915,7 @@
           <p:cNvPr id="5" name="页脚占位符 4">
             <a:extLst>
               <a:ext uri="{FF2B5EF4-FFF2-40B4-BE49-F238E27FC236}">
-                <a16:creationId xmlns:a16="http://schemas.microsoft.com/office/drawing/2014/main" id="{AC3A1532-877A-0A0C-1AA1-51068DC80748}"/>
+                <a16:creationId xmlns:a16="http://schemas.microsoft.com/office/drawing/2014/main" id="{F9E2A1B1-B3EB-1894-38C2-7E0DC0B6D18C}"/>
               </a:ext>
             </a:extLst>
           </p:cNvPr>
@@ -2958,7 +2958,7 @@
           <p:cNvPr id="6" name="灯片编号占位符 5">
             <a:extLst>
               <a:ext uri="{FF2B5EF4-FFF2-40B4-BE49-F238E27FC236}">
-                <a16:creationId xmlns:a16="http://schemas.microsoft.com/office/drawing/2014/main" id="{D226F0C5-49C0-6CE1-1697-5A517350C653}"/>
+                <a16:creationId xmlns:a16="http://schemas.microsoft.com/office/drawing/2014/main" id="{F677C4B0-A3D2-7C39-0332-097F4131036F}"/>
               </a:ext>
             </a:extLst>
           </p:cNvPr>
@@ -2992,7 +2992,7 @@
             </a:lvl1pPr>
           </a:lstStyle>
           <a:p>
-            <a:fld id="{6BE3B1F6-4EA1-4AA1-9858-4A9809196409}" type="slidenum">
+            <a:fld id="{E172C9BC-1A35-4009-91A2-6135D05FF3D3}" type="slidenum">
               <a:rPr lang="zh-CN" altLang="en-US" smtClean="0"/>
               <a:t>‹#›</a:t>
             </a:fld>
@@ -3003,7 +3003,7 @@
     </p:spTree>
     <p:extLst>
       <p:ext uri="{BB962C8B-B14F-4D97-AF65-F5344CB8AC3E}">
-        <p14:creationId xmlns:p14="http://schemas.microsoft.com/office/powerpoint/2010/main" val="203359097"/>
+        <p14:creationId xmlns:p14="http://schemas.microsoft.com/office/powerpoint/2010/main" val="3141839542"/>
       </p:ext>
     </p:extLst>
   </p:cSld>
@@ -3323,7 +3323,7 @@
       </p:grpSpPr>
       <p:pic>
         <p:nvPicPr>
-          <p:cNvPr id="914434" name="Picture 2" descr="892"/>
+          <p:cNvPr id="915458" name="Picture 2" descr="893"/>
           <p:cNvPicPr>
             <a:picLocks noChangeAspect="1" noChangeArrowheads="1"/>
           </p:cNvPicPr>
@@ -3345,7 +3345,7 @@
         <p:spPr bwMode="auto">
           <a:xfrm>
             <a:off x="1524000" y="0"/>
-            <a:ext cx="9144000" cy="6813550"/>
+            <a:ext cx="9144000" cy="6858000"/>
           </a:xfrm>
           <a:prstGeom prst="rect">
             <a:avLst/>
@@ -3375,11 +3375,158 @@
           </a:extLst>
         </p:spPr>
       </p:pic>
+      <p:pic>
+        <p:nvPicPr>
+          <p:cNvPr id="916483" name="Picture 3" descr="893-2"/>
+          <p:cNvPicPr>
+            <a:picLocks noChangeAspect="1" noChangeArrowheads="1"/>
+          </p:cNvPicPr>
+          <p:nvPr/>
+        </p:nvPicPr>
+        <p:blipFill>
+          <a:blip r:embed="rId3">
+            <a:extLst>
+              <a:ext uri="{28A0092B-C50C-407E-A947-70E740481C1C}">
+                <a14:useLocalDpi xmlns:a14="http://schemas.microsoft.com/office/drawing/2010/main" val="0"/>
+              </a:ext>
+            </a:extLst>
+          </a:blip>
+          <a:srcRect/>
+          <a:stretch>
+            <a:fillRect/>
+          </a:stretch>
+        </p:blipFill>
+        <p:spPr bwMode="auto">
+          <a:xfrm>
+            <a:off x="1524000" y="44450"/>
+            <a:ext cx="9124950" cy="6845300"/>
+          </a:xfrm>
+          <a:prstGeom prst="rect">
+            <a:avLst/>
+          </a:prstGeom>
+          <a:noFill/>
+          <a:ln>
+            <a:noFill/>
+          </a:ln>
+          <a:effectLst/>
+          <a:extLst>
+            <a:ext uri="{909E8E84-426E-40DD-AFC4-6F175D3DCCD1}">
+              <a14:hiddenFill xmlns:a14="http://schemas.microsoft.com/office/drawing/2010/main">
+                <a:solidFill>
+                  <a:srgbClr val="FFFFFF"/>
+                </a:solidFill>
+              </a14:hiddenFill>
+            </a:ext>
+            <a:ext uri="{91240B29-F687-4F45-9708-019B960494DF}">
+              <a14:hiddenLine xmlns:a14="http://schemas.microsoft.com/office/drawing/2010/main" w="9525">
+                <a:solidFill>
+                  <a:srgbClr val="000000"/>
+                </a:solidFill>
+                <a:miter lim="800000"/>
+                <a:headEnd/>
+                <a:tailEnd/>
+              </a14:hiddenLine>
+            </a:ext>
+            <a:ext uri="{AF507438-7753-43E0-B8FC-AC1667EBCBE1}">
+              <a14:hiddenEffects xmlns:a14="http://schemas.microsoft.com/office/drawing/2010/main">
+                <a:effectLst>
+                  <a:outerShdw dist="35921" dir="2700000" algn="ctr" rotWithShape="0">
+                    <a:srgbClr val="808080"/>
+                  </a:outerShdw>
+                </a:effectLst>
+              </a14:hiddenEffects>
+            </a:ext>
+          </a:extLst>
+        </p:spPr>
+      </p:pic>
     </p:spTree>
   </p:cSld>
   <p:clrMapOvr>
     <a:masterClrMapping/>
   </p:clrMapOvr>
+  <p:timing>
+    <p:tnLst>
+      <p:par>
+        <p:cTn id="1" dur="indefinite" restart="never" nodeType="tmRoot">
+          <p:childTnLst>
+            <p:seq concurrent="1" nextAc="seek">
+              <p:cTn id="2" dur="indefinite" nodeType="mainSeq">
+                <p:childTnLst>
+                  <p:par>
+                    <p:cTn id="3" fill="hold" nodeType="clickPar">
+                      <p:stCondLst>
+                        <p:cond delay="indefinite"/>
+                      </p:stCondLst>
+                      <p:childTnLst>
+                        <p:par>
+                          <p:cTn id="4" fill="hold" nodeType="withGroup">
+                            <p:stCondLst>
+                              <p:cond delay="0"/>
+                            </p:stCondLst>
+                            <p:childTnLst>
+                              <p:par>
+                                <p:cTn id="5" presetID="10" presetClass="entr" presetSubtype="0" fill="hold" nodeType="clickEffect">
+                                  <p:stCondLst>
+                                    <p:cond delay="0"/>
+                                  </p:stCondLst>
+                                  <p:childTnLst>
+                                    <p:set>
+                                      <p:cBhvr>
+                                        <p:cTn id="6" dur="1" fill="hold">
+                                          <p:stCondLst>
+                                            <p:cond delay="0"/>
+                                          </p:stCondLst>
+                                        </p:cTn>
+                                        <p:tgtEl>
+                                          <p:spTgt spid="916483"/>
+                                        </p:tgtEl>
+                                        <p:attrNameLst>
+                                          <p:attrName>style.visibility</p:attrName>
+                                        </p:attrNameLst>
+                                      </p:cBhvr>
+                                      <p:to>
+                                        <p:strVal val="visible"/>
+                                      </p:to>
+                                    </p:set>
+                                    <p:animEffect transition="in" filter="fade">
+                                      <p:cBhvr>
+                                        <p:cTn id="7" dur="500"/>
+                                        <p:tgtEl>
+                                          <p:spTgt spid="916483"/>
+                                        </p:tgtEl>
+                                      </p:cBhvr>
+                                    </p:animEffect>
+                                  </p:childTnLst>
+                                </p:cTn>
+                              </p:par>
+                            </p:childTnLst>
+                          </p:cTn>
+                        </p:par>
+                      </p:childTnLst>
+                    </p:cTn>
+                  </p:par>
+                </p:childTnLst>
+              </p:cTn>
+              <p:prevCondLst>
+                <p:cond evt="onPrev" delay="0">
+                  <p:tgtEl>
+                    <p:sldTgt/>
+                  </p:tgtEl>
+                </p:cond>
+              </p:prevCondLst>
+              <p:nextCondLst>
+                <p:cond evt="onNext" delay="0">
+                  <p:tgtEl>
+                    <p:sldTgt/>
+                  </p:tgtEl>
+                </p:cond>
+              </p:nextCondLst>
+            </p:seq>
+          </p:childTnLst>
+        </p:cTn>
+      </p:par>
+    </p:tnLst>
+  </p:timing>
 </p:sld>
 </file>
 
